--- a/AaronDawClase/Ingles/Presentation_Laptop_Aaron.pptx
+++ b/AaronDawClase/Ingles/Presentation_Laptop_Aaron.pptx
@@ -104,6 +104,11 @@
       </a:defRPr>
     </a:lvl9pPr>
   </p:defaultTextStyle>
+  <p:extLst>
+    <p:ext uri="{EFAFB233-063F-42B5-8137-9DF3F51BA10A}">
+      <p15:sldGuideLst xmlns:p15="http://schemas.microsoft.com/office/powerpoint/2012/main"/>
+    </p:ext>
+  </p:extLst>
 </p:presentation>
 </file>
 
@@ -238,7 +243,7 @@
           <a:p>
             <a:fld id="{479EEE6E-5F43-4764-B564-3D35B094ADC5}" type="datetimeFigureOut">
               <a:rPr lang="es-ES" smtClean="0"/>
-              <a:t>18/05/2022</a:t>
+              <a:t>19/05/2022</a:t>
             </a:fld>
             <a:endParaRPr lang="es-ES"/>
           </a:p>
@@ -408,7 +413,7 @@
           <a:p>
             <a:fld id="{479EEE6E-5F43-4764-B564-3D35B094ADC5}" type="datetimeFigureOut">
               <a:rPr lang="es-ES" smtClean="0"/>
-              <a:t>18/05/2022</a:t>
+              <a:t>19/05/2022</a:t>
             </a:fld>
             <a:endParaRPr lang="es-ES"/>
           </a:p>
@@ -588,7 +593,7 @@
           <a:p>
             <a:fld id="{479EEE6E-5F43-4764-B564-3D35B094ADC5}" type="datetimeFigureOut">
               <a:rPr lang="es-ES" smtClean="0"/>
-              <a:t>18/05/2022</a:t>
+              <a:t>19/05/2022</a:t>
             </a:fld>
             <a:endParaRPr lang="es-ES"/>
           </a:p>
@@ -758,7 +763,7 @@
           <a:p>
             <a:fld id="{479EEE6E-5F43-4764-B564-3D35B094ADC5}" type="datetimeFigureOut">
               <a:rPr lang="es-ES" smtClean="0"/>
-              <a:t>18/05/2022</a:t>
+              <a:t>19/05/2022</a:t>
             </a:fld>
             <a:endParaRPr lang="es-ES"/>
           </a:p>
@@ -1004,7 +1009,7 @@
           <a:p>
             <a:fld id="{479EEE6E-5F43-4764-B564-3D35B094ADC5}" type="datetimeFigureOut">
               <a:rPr lang="es-ES" smtClean="0"/>
-              <a:t>18/05/2022</a:t>
+              <a:t>19/05/2022</a:t>
             </a:fld>
             <a:endParaRPr lang="es-ES"/>
           </a:p>
@@ -1236,7 +1241,7 @@
           <a:p>
             <a:fld id="{479EEE6E-5F43-4764-B564-3D35B094ADC5}" type="datetimeFigureOut">
               <a:rPr lang="es-ES" smtClean="0"/>
-              <a:t>18/05/2022</a:t>
+              <a:t>19/05/2022</a:t>
             </a:fld>
             <a:endParaRPr lang="es-ES"/>
           </a:p>
@@ -1603,7 +1608,7 @@
           <a:p>
             <a:fld id="{479EEE6E-5F43-4764-B564-3D35B094ADC5}" type="datetimeFigureOut">
               <a:rPr lang="es-ES" smtClean="0"/>
-              <a:t>18/05/2022</a:t>
+              <a:t>19/05/2022</a:t>
             </a:fld>
             <a:endParaRPr lang="es-ES"/>
           </a:p>
@@ -1721,7 +1726,7 @@
           <a:p>
             <a:fld id="{479EEE6E-5F43-4764-B564-3D35B094ADC5}" type="datetimeFigureOut">
               <a:rPr lang="es-ES" smtClean="0"/>
-              <a:t>18/05/2022</a:t>
+              <a:t>19/05/2022</a:t>
             </a:fld>
             <a:endParaRPr lang="es-ES"/>
           </a:p>
@@ -1816,7 +1821,7 @@
           <a:p>
             <a:fld id="{479EEE6E-5F43-4764-B564-3D35B094ADC5}" type="datetimeFigureOut">
               <a:rPr lang="es-ES" smtClean="0"/>
-              <a:t>18/05/2022</a:t>
+              <a:t>19/05/2022</a:t>
             </a:fld>
             <a:endParaRPr lang="es-ES"/>
           </a:p>
@@ -2093,7 +2098,7 @@
           <a:p>
             <a:fld id="{479EEE6E-5F43-4764-B564-3D35B094ADC5}" type="datetimeFigureOut">
               <a:rPr lang="es-ES" smtClean="0"/>
-              <a:t>18/05/2022</a:t>
+              <a:t>19/05/2022</a:t>
             </a:fld>
             <a:endParaRPr lang="es-ES"/>
           </a:p>
@@ -2346,7 +2351,7 @@
           <a:p>
             <a:fld id="{479EEE6E-5F43-4764-B564-3D35B094ADC5}" type="datetimeFigureOut">
               <a:rPr lang="es-ES" smtClean="0"/>
-              <a:t>18/05/2022</a:t>
+              <a:t>19/05/2022</a:t>
             </a:fld>
             <a:endParaRPr lang="es-ES"/>
           </a:p>
@@ -2559,7 +2564,7 @@
           <a:p>
             <a:fld id="{479EEE6E-5F43-4764-B564-3D35B094ADC5}" type="datetimeFigureOut">
               <a:rPr lang="es-ES" smtClean="0"/>
-              <a:t>18/05/2022</a:t>
+              <a:t>19/05/2022</a:t>
             </a:fld>
             <a:endParaRPr lang="es-ES"/>
           </a:p>
@@ -2988,7 +2993,7 @@
         </p:blipFill>
         <p:spPr>
           <a:xfrm>
-            <a:off x="2893448" y="1015346"/>
+            <a:off x="2738618" y="1113380"/>
             <a:ext cx="2373545" cy="2373545"/>
           </a:xfrm>
         </p:spPr>
@@ -3017,7 +3022,7 @@
         </p:blipFill>
         <p:spPr>
           <a:xfrm>
-            <a:off x="5997575" y="795542"/>
+            <a:off x="6911975" y="954461"/>
             <a:ext cx="2691384" cy="2691384"/>
           </a:xfrm>
         </p:spPr>
@@ -3032,7 +3037,7 @@
         </p:nvSpPr>
         <p:spPr bwMode="auto">
           <a:xfrm>
-            <a:off x="7628860" y="507515"/>
+            <a:off x="6542137" y="488972"/>
             <a:ext cx="4741619" cy="1015663"/>
           </a:xfrm>
           <a:prstGeom prst="rect">
@@ -3412,7 +3417,7 @@
         </p:nvSpPr>
         <p:spPr bwMode="auto">
           <a:xfrm>
-            <a:off x="8107326" y="1015346"/>
+            <a:off x="7176526" y="1004778"/>
             <a:ext cx="805621" cy="246221"/>
           </a:xfrm>
           <a:prstGeom prst="rect">
@@ -3535,8 +3540,8 @@
         </p:nvSpPr>
         <p:spPr bwMode="auto">
           <a:xfrm>
-            <a:off x="271444" y="765971"/>
-            <a:ext cx="5410135" cy="738664"/>
+            <a:off x="1772773" y="519749"/>
+            <a:ext cx="3932230" cy="954107"/>
           </a:xfrm>
           <a:prstGeom prst="rect">
             <a:avLst/>
@@ -3738,7 +3743,61 @@
                 <a:effectLst/>
                 <a:latin typeface="Montserrat"/>
               </a:rPr>
-              <a:t>HP 15s-fq4028ns Intel Core i5-1155G7/16GB/512GB SSD/15.6"</a:t>
+              <a:t>HP 15s-fq4028ns </a:t>
+            </a:r>
+            <a:endParaRPr kumimoji="0" lang="es-ES" altLang="es-ES" sz="1400" b="1" i="0" u="none" strike="noStrike" cap="none" normalizeH="0" baseline="0" dirty="0" smtClean="0">
+              <a:ln>
+                <a:noFill/>
+              </a:ln>
+              <a:solidFill>
+                <a:srgbClr val="444444"/>
+              </a:solidFill>
+              <a:effectLst/>
+              <a:latin typeface="Montserrat"/>
+            </a:endParaRPr>
+          </a:p>
+          <a:p>
+            <a:pPr marL="0" marR="0" lvl="0" indent="0" algn="l" defTabSz="914400" rtl="0" eaLnBrk="0" fontAlgn="base" latinLnBrk="0" hangingPunct="0">
+              <a:lnSpc>
+                <a:spcPct val="100000"/>
+              </a:lnSpc>
+              <a:spcBef>
+                <a:spcPct val="0"/>
+              </a:spcBef>
+              <a:spcAft>
+                <a:spcPct val="0"/>
+              </a:spcAft>
+              <a:buClrTx/>
+              <a:buSzTx/>
+              <a:buFontTx/>
+              <a:buNone/>
+              <a:tabLst/>
+            </a:pPr>
+            <a:r>
+              <a:rPr kumimoji="0" lang="es-ES" altLang="es-ES" sz="1400" b="1" i="0" u="none" strike="noStrike" cap="none" normalizeH="0" baseline="0" dirty="0" smtClean="0">
+                <a:ln>
+                  <a:noFill/>
+                </a:ln>
+                <a:solidFill>
+                  <a:srgbClr val="444444"/>
+                </a:solidFill>
+                <a:effectLst/>
+                <a:latin typeface="Montserrat"/>
+              </a:rPr>
+              <a:t>Intel </a:t>
+            </a:r>
+            <a:r>
+              <a:rPr kumimoji="0" lang="es-ES" altLang="es-ES" sz="1400" b="1" i="0" u="none" strike="noStrike" cap="none" normalizeH="0" baseline="0" dirty="0" smtClean="0">
+                <a:ln>
+                  <a:noFill/>
+                </a:ln>
+                <a:solidFill>
+                  <a:srgbClr val="444444"/>
+                </a:solidFill>
+                <a:effectLst/>
+                <a:latin typeface="Montserrat"/>
+              </a:rPr>
+              <a:t>Core i5-1155G7/16GB/512GB SSD/15.6"</a:t>
             </a:r>
             <a:endParaRPr kumimoji="0" lang="es-ES" altLang="es-ES" sz="1400" b="0" i="0" u="none" strike="noStrike" cap="none" normalizeH="0" baseline="0" dirty="0" smtClean="0">
               <a:ln>
@@ -3831,7 +3890,7 @@
         </p:nvSpPr>
         <p:spPr bwMode="auto">
           <a:xfrm>
-            <a:off x="744279" y="1015346"/>
+            <a:off x="2356646" y="1004778"/>
             <a:ext cx="763943" cy="307777"/>
           </a:xfrm>
           <a:prstGeom prst="rect">
@@ -3957,14 +4016,14 @@
           <p:nvPr>
             <p:extLst>
               <p:ext uri="{D42A27DB-BD31-4B8C-83A1-F6EECF244321}">
-                <p14:modId xmlns:p14="http://schemas.microsoft.com/office/powerpoint/2010/main" val="799443456"/>
+                <p14:modId xmlns:p14="http://schemas.microsoft.com/office/powerpoint/2010/main" val="1713758447"/>
               </p:ext>
             </p:extLst>
           </p:nvPr>
         </p:nvGraphicFramePr>
         <p:xfrm>
           <a:off x="1679941" y="3388889"/>
-          <a:ext cx="8878190" cy="2756730"/>
+          <a:ext cx="8878190" cy="2937355"/>
         </p:xfrm>
         <a:graphic>
           <a:graphicData uri="http://schemas.openxmlformats.org/drawingml/2006/table">
@@ -3994,20 +4053,42 @@
                     <a:bodyPr/>
                     <a:lstStyle/>
                     <a:p>
+                      <a:pPr algn="ctr"/>
+                      <a:r>
+                        <a:rPr lang="es-ES" dirty="0" smtClean="0"/>
+                        <a:t>HP</a:t>
+                      </a:r>
+                      <a:r>
+                        <a:rPr lang="es-ES" baseline="0" dirty="0" smtClean="0"/>
+                        <a:t> 15s</a:t>
+                      </a:r>
                       <a:endParaRPr lang="es-ES" dirty="0"/>
                     </a:p>
                   </a:txBody>
-                  <a:tcPr/>
+                  <a:tcPr anchor="ctr"/>
                 </a:tc>
                 <a:tc>
                   <a:txBody>
                     <a:bodyPr/>
                     <a:lstStyle/>
                     <a:p>
-                      <a:endParaRPr lang="es-ES"/>
+                      <a:pPr algn="ctr"/>
+                      <a:r>
+                        <a:rPr lang="es-ES" dirty="0" smtClean="0"/>
+                        <a:t>Asus ROG </a:t>
+                      </a:r>
+                      <a:r>
+                        <a:rPr lang="es-ES" dirty="0" err="1" smtClean="0"/>
+                        <a:t>Strix</a:t>
+                      </a:r>
+                      <a:r>
+                        <a:rPr lang="es-ES" baseline="0" dirty="0" smtClean="0"/>
+                        <a:t> G17</a:t>
+                      </a:r>
+                      <a:endParaRPr lang="es-ES" dirty="0"/>
                     </a:p>
                   </a:txBody>
-                  <a:tcPr/>
+                  <a:tcPr anchor="ctr"/>
                 </a:tc>
                 <a:extLst>
                   <a:ext uri="{0D108BD9-81ED-4DB2-BD59-A6C34878D82A}">
@@ -4021,20 +4102,46 @@
                     <a:bodyPr/>
                     <a:lstStyle/>
                     <a:p>
-                      <a:endParaRPr lang="es-ES"/>
+                      <a:pPr algn="ctr"/>
+                      <a:r>
+                        <a:rPr lang="es-ES" dirty="0" err="1" smtClean="0"/>
+                        <a:t>Processor</a:t>
+                      </a:r>
+                      <a:r>
+                        <a:rPr lang="es-ES" dirty="0" smtClean="0"/>
+                        <a:t> Intel Core i5-1155G7</a:t>
+                      </a:r>
+                      <a:endParaRPr lang="es-ES" dirty="0"/>
                     </a:p>
                   </a:txBody>
-                  <a:tcPr/>
+                  <a:tcPr anchor="ctr"/>
                 </a:tc>
                 <a:tc>
                   <a:txBody>
                     <a:bodyPr/>
                     <a:lstStyle/>
                     <a:p>
-                      <a:endParaRPr lang="es-ES"/>
+                      <a:pPr algn="ctr"/>
+                      <a:r>
+                        <a:rPr lang="es-ES" dirty="0" err="1" smtClean="0"/>
+                        <a:t>Processor</a:t>
+                      </a:r>
+                      <a:r>
+                        <a:rPr lang="es-ES" dirty="0" smtClean="0"/>
+                        <a:t> AMD </a:t>
+                      </a:r>
+                      <a:r>
+                        <a:rPr lang="es-ES" dirty="0" err="1" smtClean="0"/>
+                        <a:t>Ryzen</a:t>
+                      </a:r>
+                      <a:r>
+                        <a:rPr lang="es-ES" dirty="0" smtClean="0"/>
+                        <a:t> 7 4800H</a:t>
+                      </a:r>
+                      <a:endParaRPr lang="es-ES" dirty="0"/>
                     </a:p>
                   </a:txBody>
-                  <a:tcPr/>
+                  <a:tcPr anchor="ctr"/>
                 </a:tc>
                 <a:extLst>
                   <a:ext uri="{0D108BD9-81ED-4DB2-BD59-A6C34878D82A}">
@@ -4048,20 +4155,34 @@
                     <a:bodyPr/>
                     <a:lstStyle/>
                     <a:p>
-                      <a:endParaRPr lang="es-ES"/>
+                      <a:pPr algn="ctr"/>
+                      <a:r>
+                        <a:rPr lang="es-ES" dirty="0" smtClean="0"/>
+                        <a:t>16GB RAM</a:t>
+                      </a:r>
+                      <a:endParaRPr lang="es-ES" dirty="0"/>
                     </a:p>
                   </a:txBody>
-                  <a:tcPr/>
+                  <a:tcPr anchor="ctr"/>
                 </a:tc>
                 <a:tc>
                   <a:txBody>
                     <a:bodyPr/>
                     <a:lstStyle/>
                     <a:p>
+                      <a:pPr algn="ctr"/>
+                      <a:r>
+                        <a:rPr lang="es-ES" dirty="0" smtClean="0"/>
+                        <a:t>16GB</a:t>
+                      </a:r>
+                      <a:r>
+                        <a:rPr lang="es-ES" baseline="0" dirty="0" smtClean="0"/>
+                        <a:t> RAM</a:t>
+                      </a:r>
                       <a:endParaRPr lang="es-ES" dirty="0"/>
                     </a:p>
                   </a:txBody>
-                  <a:tcPr/>
+                  <a:tcPr anchor="ctr"/>
                 </a:tc>
                 <a:extLst>
                   <a:ext uri="{0D108BD9-81ED-4DB2-BD59-A6C34878D82A}">
@@ -4075,20 +4196,38 @@
                     <a:bodyPr/>
                     <a:lstStyle/>
                     <a:p>
-                      <a:endParaRPr lang="es-ES"/>
+                      <a:pPr algn="ctr"/>
+                      <a:r>
+                        <a:rPr lang="es-ES" dirty="0" err="1" smtClean="0"/>
+                        <a:t>Memory</a:t>
+                      </a:r>
+                      <a:r>
+                        <a:rPr lang="es-ES" dirty="0" smtClean="0"/>
+                        <a:t> 512GB SSD</a:t>
+                      </a:r>
+                      <a:endParaRPr lang="es-ES" dirty="0"/>
                     </a:p>
                   </a:txBody>
-                  <a:tcPr/>
+                  <a:tcPr anchor="ctr"/>
                 </a:tc>
                 <a:tc>
                   <a:txBody>
                     <a:bodyPr/>
                     <a:lstStyle/>
                     <a:p>
-                      <a:endParaRPr lang="es-ES"/>
+                      <a:pPr algn="ctr"/>
+                      <a:r>
+                        <a:rPr lang="es-ES" dirty="0" err="1" smtClean="0"/>
+                        <a:t>Memory</a:t>
+                      </a:r>
+                      <a:r>
+                        <a:rPr lang="es-ES" dirty="0" smtClean="0"/>
+                        <a:t> 1TB SSD</a:t>
+                      </a:r>
+                      <a:endParaRPr lang="es-ES" dirty="0"/>
                     </a:p>
                   </a:txBody>
-                  <a:tcPr/>
+                  <a:tcPr anchor="ctr"/>
                 </a:tc>
                 <a:extLst>
                   <a:ext uri="{0D108BD9-81ED-4DB2-BD59-A6C34878D82A}">
@@ -4102,20 +4241,54 @@
                     <a:bodyPr/>
                     <a:lstStyle/>
                     <a:p>
-                      <a:endParaRPr lang="es-ES"/>
+                      <a:pPr algn="ctr"/>
+                      <a:r>
+                        <a:rPr lang="es-ES" dirty="0" smtClean="0"/>
+                        <a:t>15.6 </a:t>
+                      </a:r>
+                      <a:r>
+                        <a:rPr lang="es-ES" dirty="0" err="1" smtClean="0"/>
+                        <a:t>inches</a:t>
+                      </a:r>
+                      <a:r>
+                        <a:rPr lang="es-ES" dirty="0" smtClean="0"/>
+                        <a:t> </a:t>
+                      </a:r>
+                      <a:r>
+                        <a:rPr lang="es-ES" dirty="0" err="1" smtClean="0"/>
+                        <a:t>Screen</a:t>
+                      </a:r>
+                      <a:endParaRPr lang="es-ES" dirty="0"/>
                     </a:p>
                   </a:txBody>
-                  <a:tcPr/>
+                  <a:tcPr anchor="ctr"/>
                 </a:tc>
                 <a:tc>
                   <a:txBody>
                     <a:bodyPr/>
                     <a:lstStyle/>
                     <a:p>
-                      <a:endParaRPr lang="es-ES"/>
+                      <a:pPr algn="ctr"/>
+                      <a:r>
+                        <a:rPr lang="es-ES" dirty="0" smtClean="0"/>
+                        <a:t>17.3 </a:t>
+                      </a:r>
+                      <a:r>
+                        <a:rPr lang="es-ES" dirty="0" err="1" smtClean="0"/>
+                        <a:t>inches</a:t>
+                      </a:r>
+                      <a:r>
+                        <a:rPr lang="es-ES" dirty="0" smtClean="0"/>
+                        <a:t> </a:t>
+                      </a:r>
+                      <a:r>
+                        <a:rPr lang="es-ES" dirty="0" err="1" smtClean="0"/>
+                        <a:t>Screen</a:t>
+                      </a:r>
+                      <a:endParaRPr lang="es-ES" dirty="0"/>
                     </a:p>
                   </a:txBody>
-                  <a:tcPr/>
+                  <a:tcPr anchor="ctr"/>
                 </a:tc>
                 <a:extLst>
                   <a:ext uri="{0D108BD9-81ED-4DB2-BD59-A6C34878D82A}">
@@ -4129,20 +4302,38 @@
                     <a:bodyPr/>
                     <a:lstStyle/>
                     <a:p>
-                      <a:endParaRPr lang="es-ES"/>
+                      <a:pPr algn="ctr"/>
+                      <a:r>
+                        <a:rPr lang="en-US" dirty="0" smtClean="0"/>
+                        <a:t>This one meets all my needs and the price is more affordable</a:t>
+                      </a:r>
+                      <a:endParaRPr lang="es-ES" dirty="0"/>
                     </a:p>
                   </a:txBody>
-                  <a:tcPr/>
+                  <a:tcPr anchor="ctr"/>
                 </a:tc>
                 <a:tc>
                   <a:txBody>
                     <a:bodyPr/>
                     <a:lstStyle/>
                     <a:p>
+                      <a:pPr algn="ctr"/>
+                      <a:r>
+                        <a:rPr lang="en-US" sz="1800" b="0" i="0" kern="1200" dirty="0" smtClean="0">
+                          <a:solidFill>
+                            <a:schemeClr val="dk1"/>
+                          </a:solidFill>
+                          <a:effectLst/>
+                          <a:latin typeface="+mn-lt"/>
+                          <a:ea typeface="+mn-ea"/>
+                          <a:cs typeface="+mn-cs"/>
+                        </a:rPr>
+                        <a:t>It has amazing properties but it is a bit expensive</a:t>
+                      </a:r>
                       <a:endParaRPr lang="es-ES" dirty="0"/>
                     </a:p>
                   </a:txBody>
-                  <a:tcPr/>
+                  <a:tcPr anchor="ctr"/>
                 </a:tc>
                 <a:extLst>
                   <a:ext uri="{0D108BD9-81ED-4DB2-BD59-A6C34878D82A}">
